--- a/presentation/ConwayGameOfLife.pptx
+++ b/presentation/ConwayGameOfLife.pptx
@@ -5,17 +5,19 @@
     <p:sldMasterId id="2147483758" r:id="rId1"/>
   </p:sldMasterIdLst>
   <p:notesMasterIdLst>
-    <p:notesMasterId r:id="rId10"/>
+    <p:notesMasterId r:id="rId12"/>
   </p:notesMasterIdLst>
   <p:sldIdLst>
     <p:sldId id="256" r:id="rId2"/>
     <p:sldId id="257" r:id="rId3"/>
     <p:sldId id="258" r:id="rId4"/>
-    <p:sldId id="259" r:id="rId5"/>
-    <p:sldId id="260" r:id="rId6"/>
+    <p:sldId id="267" r:id="rId5"/>
+    <p:sldId id="259" r:id="rId6"/>
     <p:sldId id="261" r:id="rId7"/>
-    <p:sldId id="262" r:id="rId8"/>
-    <p:sldId id="263" r:id="rId9"/>
+    <p:sldId id="266" r:id="rId8"/>
+    <p:sldId id="262" r:id="rId9"/>
+    <p:sldId id="265" r:id="rId10"/>
+    <p:sldId id="263" r:id="rId11"/>
   </p:sldIdLst>
   <p:sldSz cx="12192000" cy="6858000"/>
   <p:notesSz cx="6858000" cy="9144000"/>
@@ -114,6 +116,11 @@
       </a:defRPr>
     </a:lvl9pPr>
   </p:defaultTextStyle>
+  <p:extLst>
+    <p:ext uri="{EFAFB233-063F-42B5-8137-9DF3F51BA10A}">
+      <p15:sldGuideLst xmlns:p15="http://schemas.microsoft.com/office/powerpoint/2012/main"/>
+    </p:ext>
+  </p:extLst>
 </p:presentation>
 </file>
 
@@ -199,7 +206,7 @@
           <a:p>
             <a:fld id="{CFC00118-72DA-8C44-AE53-202927EEE3F4}" type="datetimeFigureOut">
               <a:rPr lang="en-US" smtClean="0"/>
-              <a:t>11/27/16</a:t>
+              <a:t>11/28/16</a:t>
             </a:fld>
             <a:endParaRPr lang="en-US"/>
           </a:p>
@@ -542,6 +549,218 @@
     <p:extLst>
       <p:ext uri="{BB962C8B-B14F-4D97-AF65-F5344CB8AC3E}">
         <p14:creationId xmlns:p14="http://schemas.microsoft.com/office/powerpoint/2010/main" val="430138946"/>
+      </p:ext>
+    </p:extLst>
+  </p:cSld>
+  <p:clrMapOvr>
+    <a:masterClrMapping/>
+  </p:clrMapOvr>
+</p:notes>
+</file>
+
+<file path=ppt/notesSlides/notesSlide2.xml><?xml version="1.0" encoding="utf-8"?>
+<p:notes xmlns:a="http://schemas.openxmlformats.org/drawingml/2006/main" xmlns:r="http://schemas.openxmlformats.org/officeDocument/2006/relationships" xmlns:p="http://schemas.openxmlformats.org/presentationml/2006/main">
+  <p:cSld>
+    <p:spTree>
+      <p:nvGrpSpPr>
+        <p:cNvPr id="1" name=""/>
+        <p:cNvGrpSpPr/>
+        <p:nvPr/>
+      </p:nvGrpSpPr>
+      <p:grpSpPr>
+        <a:xfrm>
+          <a:off x="0" y="0"/>
+          <a:ext cx="0" cy="0"/>
+          <a:chOff x="0" y="0"/>
+          <a:chExt cx="0" cy="0"/>
+        </a:xfrm>
+      </p:grpSpPr>
+      <p:sp>
+        <p:nvSpPr>
+          <p:cNvPr id="2" name="Slide Image Placeholder 1"/>
+          <p:cNvSpPr>
+            <a:spLocks noGrp="1" noRot="1" noChangeAspect="1"/>
+          </p:cNvSpPr>
+          <p:nvPr>
+            <p:ph type="sldImg"/>
+          </p:nvPr>
+        </p:nvSpPr>
+        <p:spPr/>
+      </p:sp>
+      <p:sp>
+        <p:nvSpPr>
+          <p:cNvPr id="3" name="Notes Placeholder 2"/>
+          <p:cNvSpPr>
+            <a:spLocks noGrp="1"/>
+          </p:cNvSpPr>
+          <p:nvPr>
+            <p:ph type="body" idx="1"/>
+          </p:nvPr>
+        </p:nvSpPr>
+        <p:spPr/>
+        <p:txBody>
+          <a:bodyPr/>
+          <a:lstStyle/>
+          <a:p>
+            <a:r>
+              <a:rPr lang="en-US" dirty="0" smtClean="0"/>
+              <a:t>GIFS: http://</a:t>
+            </a:r>
+            <a:r>
+              <a:rPr lang="en-US" dirty="0" err="1" smtClean="0"/>
+              <a:t>giphy.com</a:t>
+            </a:r>
+            <a:r>
+              <a:rPr lang="en-US" dirty="0" smtClean="0"/>
+              <a:t>/search/</a:t>
+            </a:r>
+            <a:r>
+              <a:rPr lang="en-US" dirty="0" err="1" smtClean="0"/>
+              <a:t>conways</a:t>
+            </a:r>
+            <a:r>
+              <a:rPr lang="en-US" dirty="0" smtClean="0"/>
+              <a:t>-game-of-life</a:t>
+            </a:r>
+            <a:endParaRPr lang="en-US" dirty="0"/>
+          </a:p>
+        </p:txBody>
+      </p:sp>
+      <p:sp>
+        <p:nvSpPr>
+          <p:cNvPr id="4" name="Slide Number Placeholder 3"/>
+          <p:cNvSpPr>
+            <a:spLocks noGrp="1"/>
+          </p:cNvSpPr>
+          <p:nvPr>
+            <p:ph type="sldNum" sz="quarter" idx="10"/>
+          </p:nvPr>
+        </p:nvSpPr>
+        <p:spPr/>
+        <p:txBody>
+          <a:bodyPr/>
+          <a:lstStyle/>
+          <a:p>
+            <a:fld id="{E9E2A6C4-F955-3A49-88B3-F3536C332FD3}" type="slidenum">
+              <a:rPr lang="en-US" smtClean="0"/>
+              <a:t>3</a:t>
+            </a:fld>
+            <a:endParaRPr lang="en-US"/>
+          </a:p>
+        </p:txBody>
+      </p:sp>
+    </p:spTree>
+    <p:extLst>
+      <p:ext uri="{BB962C8B-B14F-4D97-AF65-F5344CB8AC3E}">
+        <p14:creationId xmlns:p14="http://schemas.microsoft.com/office/powerpoint/2010/main" val="1743207442"/>
+      </p:ext>
+    </p:extLst>
+  </p:cSld>
+  <p:clrMapOvr>
+    <a:masterClrMapping/>
+  </p:clrMapOvr>
+</p:notes>
+</file>
+
+<file path=ppt/notesSlides/notesSlide3.xml><?xml version="1.0" encoding="utf-8"?>
+<p:notes xmlns:a="http://schemas.openxmlformats.org/drawingml/2006/main" xmlns:r="http://schemas.openxmlformats.org/officeDocument/2006/relationships" xmlns:p="http://schemas.openxmlformats.org/presentationml/2006/main">
+  <p:cSld>
+    <p:spTree>
+      <p:nvGrpSpPr>
+        <p:cNvPr id="1" name=""/>
+        <p:cNvGrpSpPr/>
+        <p:nvPr/>
+      </p:nvGrpSpPr>
+      <p:grpSpPr>
+        <a:xfrm>
+          <a:off x="0" y="0"/>
+          <a:ext cx="0" cy="0"/>
+          <a:chOff x="0" y="0"/>
+          <a:chExt cx="0" cy="0"/>
+        </a:xfrm>
+      </p:grpSpPr>
+      <p:sp>
+        <p:nvSpPr>
+          <p:cNvPr id="2" name="Slide Image Placeholder 1"/>
+          <p:cNvSpPr>
+            <a:spLocks noGrp="1" noRot="1" noChangeAspect="1"/>
+          </p:cNvSpPr>
+          <p:nvPr>
+            <p:ph type="sldImg"/>
+          </p:nvPr>
+        </p:nvSpPr>
+        <p:spPr/>
+      </p:sp>
+      <p:sp>
+        <p:nvSpPr>
+          <p:cNvPr id="3" name="Notes Placeholder 2"/>
+          <p:cNvSpPr>
+            <a:spLocks noGrp="1"/>
+          </p:cNvSpPr>
+          <p:nvPr>
+            <p:ph type="body" idx="1"/>
+          </p:nvPr>
+        </p:nvSpPr>
+        <p:spPr/>
+        <p:txBody>
+          <a:bodyPr/>
+          <a:lstStyle/>
+          <a:p>
+            <a:r>
+              <a:rPr lang="en-US" dirty="0" smtClean="0"/>
+              <a:t>http://</a:t>
+            </a:r>
+            <a:r>
+              <a:rPr lang="en-US" dirty="0" err="1" smtClean="0"/>
+              <a:t>giphy.com</a:t>
+            </a:r>
+            <a:r>
+              <a:rPr lang="en-US" dirty="0" smtClean="0"/>
+              <a:t>/gifs/glider-game-of-life-</a:t>
+            </a:r>
+            <a:r>
+              <a:rPr lang="en-US" dirty="0" err="1" smtClean="0"/>
+              <a:t>conway</a:t>
+            </a:r>
+            <a:r>
+              <a:rPr lang="en-US" dirty="0" smtClean="0"/>
+              <a:t>-</a:t>
+            </a:r>
+            <a:r>
+              <a:rPr lang="en-US" dirty="0" err="1" smtClean="0"/>
+              <a:t>ThuVXkRrPUgCY</a:t>
+            </a:r>
+            <a:endParaRPr lang="en-US" dirty="0"/>
+          </a:p>
+        </p:txBody>
+      </p:sp>
+      <p:sp>
+        <p:nvSpPr>
+          <p:cNvPr id="4" name="Slide Number Placeholder 3"/>
+          <p:cNvSpPr>
+            <a:spLocks noGrp="1"/>
+          </p:cNvSpPr>
+          <p:nvPr>
+            <p:ph type="sldNum" sz="quarter" idx="10"/>
+          </p:nvPr>
+        </p:nvSpPr>
+        <p:spPr/>
+        <p:txBody>
+          <a:bodyPr/>
+          <a:lstStyle/>
+          <a:p>
+            <a:fld id="{E9E2A6C4-F955-3A49-88B3-F3536C332FD3}" type="slidenum">
+              <a:rPr lang="en-US" smtClean="0"/>
+              <a:t>4</a:t>
+            </a:fld>
+            <a:endParaRPr lang="en-US"/>
+          </a:p>
+        </p:txBody>
+      </p:sp>
+    </p:spTree>
+    <p:extLst>
+      <p:ext uri="{BB962C8B-B14F-4D97-AF65-F5344CB8AC3E}">
+        <p14:creationId xmlns:p14="http://schemas.microsoft.com/office/powerpoint/2010/main" val="577556170"/>
       </p:ext>
     </p:extLst>
   </p:cSld>
@@ -1053,7 +1272,7 @@
           <a:p>
             <a:fld id="{AB2C9DDD-F5A9-8847-AAE1-6AEE4C5AC8CD}" type="datetime1">
               <a:rPr lang="en-US" smtClean="0"/>
-              <a:t>11/27/16</a:t>
+              <a:t>11/28/16</a:t>
             </a:fld>
             <a:endParaRPr lang="en-US" dirty="0"/>
           </a:p>
@@ -1349,7 +1568,7 @@
           <a:p>
             <a:fld id="{46570DFD-0173-8F47-B54F-86AD519AD4EC}" type="datetime1">
               <a:rPr lang="en-US" smtClean="0"/>
-              <a:t>11/27/16</a:t>
+              <a:t>11/28/16</a:t>
             </a:fld>
             <a:endParaRPr lang="en-US" dirty="0"/>
           </a:p>
@@ -1597,7 +1816,7 @@
           <a:p>
             <a:fld id="{AB8B09EF-785D-354A-B88F-32EBDC7DD3E0}" type="datetime1">
               <a:rPr lang="en-US" smtClean="0"/>
-              <a:t>11/27/16</a:t>
+              <a:t>11/28/16</a:t>
             </a:fld>
             <a:endParaRPr lang="en-US" dirty="0"/>
           </a:p>
@@ -2137,7 +2356,7 @@
           <a:p>
             <a:fld id="{DEBF5719-95DD-8E44-9F11-E4150DBA9255}" type="datetime1">
               <a:rPr lang="en-US" smtClean="0"/>
-              <a:t>11/27/16</a:t>
+              <a:t>11/28/16</a:t>
             </a:fld>
             <a:endParaRPr lang="en-US" dirty="0"/>
           </a:p>
@@ -2385,7 +2604,7 @@
           <a:p>
             <a:fld id="{C59953BB-016B-F148-96A6-D3A9B7C05051}" type="datetime1">
               <a:rPr lang="en-US" smtClean="0"/>
-              <a:t>11/27/16</a:t>
+              <a:t>11/28/16</a:t>
             </a:fld>
             <a:endParaRPr lang="en-US" dirty="0"/>
           </a:p>
@@ -2917,7 +3136,7 @@
           <a:p>
             <a:fld id="{FB08D42E-103C-DB44-8981-6C3620170E0F}" type="datetime1">
               <a:rPr lang="en-US" smtClean="0"/>
-              <a:t>11/27/16</a:t>
+              <a:t>11/28/16</a:t>
             </a:fld>
             <a:endParaRPr lang="en-US" dirty="0"/>
           </a:p>
@@ -3214,7 +3433,7 @@
           <a:p>
             <a:fld id="{8149896E-6F26-F147-A75A-B84E33ACC9EC}" type="datetime1">
               <a:rPr lang="en-US" smtClean="0"/>
-              <a:t>11/27/16</a:t>
+              <a:t>11/28/16</a:t>
             </a:fld>
             <a:endParaRPr lang="en-US" dirty="0"/>
           </a:p>
@@ -3388,7 +3607,7 @@
           <a:p>
             <a:fld id="{FB36AA29-FA91-D046-9021-60EB17395E5C}" type="datetime1">
               <a:rPr lang="en-US" smtClean="0"/>
-              <a:t>11/27/16</a:t>
+              <a:t>11/28/16</a:t>
             </a:fld>
             <a:endParaRPr lang="en-US" dirty="0"/>
           </a:p>
@@ -3568,7 +3787,7 @@
           <a:p>
             <a:fld id="{267E8457-0E59-5740-AB9D-0ED5B6722546}" type="datetime1">
               <a:rPr lang="en-US" smtClean="0"/>
-              <a:t>11/27/16</a:t>
+              <a:t>11/28/16</a:t>
             </a:fld>
             <a:endParaRPr lang="en-US" dirty="0"/>
           </a:p>
@@ -3738,7 +3957,7 @@
           <a:p>
             <a:fld id="{E64B4E16-46DC-704A-B963-A08BDBD1E2C1}" type="datetime1">
               <a:rPr lang="en-US" smtClean="0"/>
-              <a:t>11/27/16</a:t>
+              <a:t>11/28/16</a:t>
             </a:fld>
             <a:endParaRPr lang="en-US" dirty="0"/>
           </a:p>
@@ -3989,7 +4208,7 @@
           <a:p>
             <a:fld id="{C1F5FF1B-D048-8C46-8BAC-A1BE3936D253}" type="datetime1">
               <a:rPr lang="en-US" smtClean="0"/>
-              <a:t>11/27/16</a:t>
+              <a:t>11/28/16</a:t>
             </a:fld>
             <a:endParaRPr lang="en-US" dirty="0"/>
           </a:p>
@@ -4286,7 +4505,7 @@
           <a:p>
             <a:fld id="{773E9DF8-50EA-B946-9A41-BBBEAFB826C6}" type="datetime1">
               <a:rPr lang="en-US" smtClean="0"/>
-              <a:t>11/27/16</a:t>
+              <a:t>11/28/16</a:t>
             </a:fld>
             <a:endParaRPr lang="en-US" dirty="0"/>
           </a:p>
@@ -4728,7 +4947,7 @@
           <a:p>
             <a:fld id="{0D975229-137D-974B-A017-898CEDCD0802}" type="datetime1">
               <a:rPr lang="en-US" smtClean="0"/>
-              <a:t>11/27/16</a:t>
+              <a:t>11/28/16</a:t>
             </a:fld>
             <a:endParaRPr lang="en-US" dirty="0"/>
           </a:p>
@@ -4846,7 +5065,7 @@
           <a:p>
             <a:fld id="{4FE617EB-1621-F947-9D2C-00EB8364F619}" type="datetime1">
               <a:rPr lang="en-US" smtClean="0"/>
-              <a:t>11/27/16</a:t>
+              <a:t>11/28/16</a:t>
             </a:fld>
             <a:endParaRPr lang="en-US" dirty="0"/>
           </a:p>
@@ -4941,7 +5160,7 @@
           <a:p>
             <a:fld id="{76F3F5B5-EF33-564A-A70C-89D6F61ACE59}" type="datetime1">
               <a:rPr lang="en-US" smtClean="0"/>
-              <a:t>11/27/16</a:t>
+              <a:t>11/28/16</a:t>
             </a:fld>
             <a:endParaRPr lang="en-US" dirty="0"/>
           </a:p>
@@ -5224,7 +5443,7 @@
           <a:p>
             <a:fld id="{B1B3491A-063C-ED4A-B83F-19CEEC23C953}" type="datetime1">
               <a:rPr lang="en-US" smtClean="0"/>
-              <a:t>11/27/16</a:t>
+              <a:t>11/28/16</a:t>
             </a:fld>
             <a:endParaRPr lang="en-US" dirty="0"/>
           </a:p>
@@ -5515,7 +5734,7 @@
           <a:p>
             <a:fld id="{2494E566-5733-1C49-B3E2-9A9AFDC3FFCA}" type="datetime1">
               <a:rPr lang="en-US" smtClean="0"/>
-              <a:t>11/27/16</a:t>
+              <a:t>11/28/16</a:t>
             </a:fld>
             <a:endParaRPr lang="en-US" dirty="0"/>
           </a:p>
@@ -6045,7 +6264,7 @@
           <a:p>
             <a:fld id="{70C94E22-16F0-4641-A84B-477393D8D055}" type="datetime1">
               <a:rPr lang="en-US" smtClean="0"/>
-              <a:t>11/27/16</a:t>
+              <a:t>11/28/16</a:t>
             </a:fld>
             <a:endParaRPr lang="en-US" dirty="0"/>
           </a:p>
@@ -6698,6 +6917,71 @@
 </p:sld>
 </file>
 
+<file path=ppt/slides/slide10.xml><?xml version="1.0" encoding="utf-8"?>
+<p:sld xmlns:a="http://schemas.openxmlformats.org/drawingml/2006/main" xmlns:r="http://schemas.openxmlformats.org/officeDocument/2006/relationships" xmlns:p="http://schemas.openxmlformats.org/presentationml/2006/main">
+  <p:cSld>
+    <p:spTree>
+      <p:nvGrpSpPr>
+        <p:cNvPr id="1" name=""/>
+        <p:cNvGrpSpPr/>
+        <p:nvPr/>
+      </p:nvGrpSpPr>
+      <p:grpSpPr>
+        <a:xfrm>
+          <a:off x="0" y="0"/>
+          <a:ext cx="0" cy="0"/>
+          <a:chOff x="0" y="0"/>
+          <a:chExt cx="0" cy="0"/>
+        </a:xfrm>
+      </p:grpSpPr>
+      <p:sp>
+        <p:nvSpPr>
+          <p:cNvPr id="2" name="Title 1"/>
+          <p:cNvSpPr>
+            <a:spLocks noGrp="1"/>
+          </p:cNvSpPr>
+          <p:nvPr>
+            <p:ph type="title"/>
+          </p:nvPr>
+        </p:nvSpPr>
+        <p:spPr>
+          <a:xfrm>
+            <a:off x="1484311" y="2603088"/>
+            <a:ext cx="10018713" cy="1752599"/>
+          </a:xfrm>
+        </p:spPr>
+        <p:txBody>
+          <a:bodyPr/>
+          <a:lstStyle/>
+          <a:p>
+            <a:r>
+              <a:rPr lang="en-US" smtClean="0"/>
+              <a:t>Demo</a:t>
+            </a:r>
+            <a:endParaRPr lang="en-US"/>
+          </a:p>
+        </p:txBody>
+      </p:sp>
+    </p:spTree>
+    <p:extLst>
+      <p:ext uri="{BB962C8B-B14F-4D97-AF65-F5344CB8AC3E}">
+        <p14:creationId xmlns:p14="http://schemas.microsoft.com/office/powerpoint/2010/main" val="1889775759"/>
+      </p:ext>
+    </p:extLst>
+  </p:cSld>
+  <p:clrMapOvr>
+    <a:masterClrMapping/>
+  </p:clrMapOvr>
+  <p:timing>
+    <p:tnLst>
+      <p:par>
+        <p:cTn id="1" dur="indefinite" restart="never" nodeType="tmRoot"/>
+      </p:par>
+    </p:tnLst>
+  </p:timing>
+</p:sld>
+</file>
+
 <file path=ppt/slides/slide2.xml><?xml version="1.0" encoding="utf-8"?>
 <p:sld xmlns:a="http://schemas.openxmlformats.org/drawingml/2006/main" xmlns:r="http://schemas.openxmlformats.org/officeDocument/2006/relationships" xmlns:p="http://schemas.openxmlformats.org/presentationml/2006/main">
   <p:cSld>
@@ -6755,8 +7039,19 @@
           <a:p>
             <a:r>
               <a:rPr lang="en-US" dirty="0" smtClean="0"/>
-              <a:t>Project Overview</a:t>
-            </a:r>
+              <a:t>Project </a:t>
+            </a:r>
+            <a:r>
+              <a:rPr lang="en-US" dirty="0" smtClean="0"/>
+              <a:t>Overview</a:t>
+            </a:r>
+          </a:p>
+          <a:p>
+            <a:r>
+              <a:rPr lang="en-US" dirty="0" smtClean="0"/>
+              <a:t>Conway Rules</a:t>
+            </a:r>
+            <a:endParaRPr lang="en-US" dirty="0" smtClean="0"/>
           </a:p>
           <a:p>
             <a:r>
@@ -6767,14 +7062,9 @@
           <a:p>
             <a:r>
               <a:rPr lang="en-US" dirty="0" smtClean="0"/>
-              <a:t>Python Implementation</a:t>
-            </a:r>
-          </a:p>
-          <a:p>
-            <a:r>
-              <a:rPr lang="en-US" dirty="0" smtClean="0"/>
               <a:t>Optimizations</a:t>
             </a:r>
+            <a:endParaRPr lang="en-US" dirty="0" smtClean="0"/>
           </a:p>
           <a:p>
             <a:r>
@@ -6866,29 +7156,123 @@
           <a:bodyPr/>
           <a:lstStyle/>
           <a:p>
-            <a:endParaRPr lang="en-US" dirty="0"/>
-          </a:p>
-        </p:txBody>
-      </p:sp>
-      <p:sp>
-        <p:nvSpPr>
-          <p:cNvPr id="4" name="Content Placeholder 3"/>
-          <p:cNvSpPr>
-            <a:spLocks noGrp="1"/>
-          </p:cNvSpPr>
-          <p:nvPr>
-            <p:ph sz="half" idx="2"/>
-          </p:nvPr>
-        </p:nvSpPr>
-        <p:spPr/>
-        <p:txBody>
-          <a:bodyPr/>
-          <a:lstStyle/>
-          <a:p>
-            <a:endParaRPr lang="en-US"/>
-          </a:p>
-        </p:txBody>
-      </p:sp>
+            <a:r>
+              <a:rPr lang="en-US" dirty="0" smtClean="0"/>
+              <a:t>Cellular Automaton Zero-Player “Game”</a:t>
+            </a:r>
+            <a:endParaRPr lang="en-US" dirty="0"/>
+          </a:p>
+          <a:p>
+            <a:r>
+              <a:rPr lang="en-US" dirty="0" smtClean="0"/>
+              <a:t>Evolves through generations modeling life and death of organisms</a:t>
+            </a:r>
+          </a:p>
+          <a:p>
+            <a:r>
+              <a:rPr lang="en-US" dirty="0" smtClean="0"/>
+              <a:t>Cells interact with immediate neighbors</a:t>
+            </a:r>
+          </a:p>
+          <a:p>
+            <a:r>
+              <a:rPr lang="en-US" dirty="0" smtClean="0"/>
+              <a:t>2-dimensional grid of cells</a:t>
+            </a:r>
+            <a:endParaRPr lang="en-US" dirty="0" smtClean="0"/>
+          </a:p>
+        </p:txBody>
+      </p:sp>
+      <p:pic>
+        <p:nvPicPr>
+          <p:cNvPr id="11" name="Picture 10"/>
+          <p:cNvPicPr>
+            <a:picLocks noChangeAspect="1"/>
+          </p:cNvPicPr>
+          <p:nvPr/>
+        </p:nvPicPr>
+        <p:blipFill>
+          <a:blip r:embed="rId3">
+            <a:extLst>
+              <a:ext uri="{28A0092B-C50C-407E-A947-70E740481C1C}">
+                <a14:useLocalDpi xmlns:a14="http://schemas.microsoft.com/office/drawing/2010/main" val="0"/>
+              </a:ext>
+            </a:extLst>
+          </a:blip>
+          <a:stretch>
+            <a:fillRect/>
+          </a:stretch>
+        </p:blipFill>
+        <p:spPr>
+          <a:xfrm>
+            <a:off x="6534943" y="2666999"/>
+            <a:ext cx="2363613" cy="1701801"/>
+          </a:xfrm>
+          <a:prstGeom prst="rect">
+            <a:avLst/>
+          </a:prstGeom>
+        </p:spPr>
+      </p:pic>
+      <p:pic>
+        <p:nvPicPr>
+          <p:cNvPr id="12" name="Picture 11"/>
+          <p:cNvPicPr>
+            <a:picLocks noChangeAspect="1"/>
+          </p:cNvPicPr>
+          <p:nvPr/>
+        </p:nvPicPr>
+        <p:blipFill>
+          <a:blip r:embed="rId4">
+            <a:extLst>
+              <a:ext uri="{28A0092B-C50C-407E-A947-70E740481C1C}">
+                <a14:useLocalDpi xmlns:a14="http://schemas.microsoft.com/office/drawing/2010/main" val="0"/>
+              </a:ext>
+            </a:extLst>
+          </a:blip>
+          <a:stretch>
+            <a:fillRect/>
+          </a:stretch>
+        </p:blipFill>
+        <p:spPr>
+          <a:xfrm>
+            <a:off x="9040772" y="2666999"/>
+            <a:ext cx="1701801" cy="1701801"/>
+          </a:xfrm>
+          <a:prstGeom prst="rect">
+            <a:avLst/>
+          </a:prstGeom>
+        </p:spPr>
+      </p:pic>
+      <p:pic>
+        <p:nvPicPr>
+          <p:cNvPr id="13" name="Picture 12"/>
+          <p:cNvPicPr>
+            <a:picLocks noChangeAspect="1"/>
+          </p:cNvPicPr>
+          <p:nvPr/>
+        </p:nvPicPr>
+        <p:blipFill>
+          <a:blip r:embed="rId5">
+            <a:extLst>
+              <a:ext uri="{28A0092B-C50C-407E-A947-70E740481C1C}">
+                <a14:useLocalDpi xmlns:a14="http://schemas.microsoft.com/office/drawing/2010/main" val="0"/>
+              </a:ext>
+            </a:extLst>
+          </a:blip>
+          <a:stretch>
+            <a:fillRect/>
+          </a:stretch>
+        </p:blipFill>
+        <p:spPr>
+          <a:xfrm>
+            <a:off x="6534943" y="4513626"/>
+            <a:ext cx="4207630" cy="2131570"/>
+          </a:xfrm>
+          <a:prstGeom prst="rect">
+            <a:avLst/>
+          </a:prstGeom>
+        </p:spPr>
+      </p:pic>
     </p:spTree>
     <p:extLst>
       <p:ext uri="{BB962C8B-B14F-4D97-AF65-F5344CB8AC3E}">
@@ -6943,7 +7327,7 @@
           <a:p>
             <a:r>
               <a:rPr lang="en-US" dirty="0" smtClean="0"/>
-              <a:t>Algorithm Overview</a:t>
+              <a:t>Conway Rules (B2/S23)</a:t>
             </a:r>
             <a:endParaRPr lang="en-US" dirty="0"/>
           </a:p>
@@ -6964,33 +7348,97 @@
           <a:bodyPr/>
           <a:lstStyle/>
           <a:p>
-            <a:endParaRPr lang="en-US"/>
-          </a:p>
-        </p:txBody>
-      </p:sp>
-      <p:sp>
-        <p:nvSpPr>
-          <p:cNvPr id="4" name="Content Placeholder 3"/>
-          <p:cNvSpPr>
-            <a:spLocks noGrp="1"/>
-          </p:cNvSpPr>
+            <a:pPr marL="342900" indent="-342900">
+              <a:buFont typeface="+mj-lt"/>
+              <a:buAutoNum type="arabicPeriod"/>
+            </a:pPr>
+            <a:r>
+              <a:rPr lang="en-US" b="1" dirty="0" smtClean="0"/>
+              <a:t>Under-population</a:t>
+            </a:r>
+            <a:r>
+              <a:rPr lang="en-US" dirty="0" smtClean="0"/>
+              <a:t>: A living cell with fewer than 2 neighbors dies</a:t>
+            </a:r>
+          </a:p>
+          <a:p>
+            <a:pPr marL="342900" indent="-342900">
+              <a:buFont typeface="+mj-lt"/>
+              <a:buAutoNum type="arabicPeriod"/>
+            </a:pPr>
+            <a:r>
+              <a:rPr lang="en-US" b="1" dirty="0" smtClean="0"/>
+              <a:t>Generation</a:t>
+            </a:r>
+            <a:r>
+              <a:rPr lang="en-US" dirty="0" smtClean="0"/>
+              <a:t>: A living cell with 2 or 3 living neighbors lives to next generation</a:t>
+            </a:r>
+          </a:p>
+          <a:p>
+            <a:pPr marL="342900" indent="-342900">
+              <a:buFont typeface="+mj-lt"/>
+              <a:buAutoNum type="arabicPeriod"/>
+            </a:pPr>
+            <a:r>
+              <a:rPr lang="en-US" b="1" dirty="0" smtClean="0"/>
+              <a:t>Over-population</a:t>
+            </a:r>
+            <a:r>
+              <a:rPr lang="en-US" dirty="0" smtClean="0"/>
+              <a:t>: A living cell with more than 3 living neighbors dies</a:t>
+            </a:r>
+          </a:p>
+          <a:p>
+            <a:pPr marL="342900" indent="-342900">
+              <a:buFont typeface="+mj-lt"/>
+              <a:buAutoNum type="arabicPeriod"/>
+            </a:pPr>
+            <a:r>
+              <a:rPr lang="en-US" b="1" dirty="0" smtClean="0"/>
+              <a:t>Reproduction</a:t>
+            </a:r>
+            <a:r>
+              <a:rPr lang="en-US" dirty="0" smtClean="0"/>
+              <a:t>: A dead cell with 3 neighbors becomes alive</a:t>
+            </a:r>
+            <a:endParaRPr lang="en-US" b="1" dirty="0"/>
+          </a:p>
+        </p:txBody>
+      </p:sp>
+      <p:pic>
+        <p:nvPicPr>
+          <p:cNvPr id="5" name="Content Placeholder 4"/>
+          <p:cNvPicPr>
+            <a:picLocks noGrp="1" noChangeAspect="1"/>
+          </p:cNvPicPr>
           <p:nvPr>
             <p:ph sz="half" idx="2"/>
           </p:nvPr>
-        </p:nvSpPr>
-        <p:spPr/>
-        <p:txBody>
-          <a:bodyPr/>
-          <a:lstStyle/>
-          <a:p>
-            <a:endParaRPr lang="en-US"/>
-          </a:p>
-        </p:txBody>
-      </p:sp>
+        </p:nvPicPr>
+        <p:blipFill>
+          <a:blip r:embed="rId3">
+            <a:extLst>
+              <a:ext uri="{28A0092B-C50C-407E-A947-70E740481C1C}">
+                <a14:useLocalDpi xmlns:a14="http://schemas.microsoft.com/office/drawing/2010/main" val="0"/>
+              </a:ext>
+            </a:extLst>
+          </a:blip>
+          <a:stretch>
+            <a:fillRect/>
+          </a:stretch>
+        </p:blipFill>
+        <p:spPr>
+          <a:xfrm>
+            <a:off x="7458635" y="2438399"/>
+            <a:ext cx="3449171" cy="3449171"/>
+          </a:xfrm>
+        </p:spPr>
+      </p:pic>
     </p:spTree>
     <p:extLst>
       <p:ext uri="{BB962C8B-B14F-4D97-AF65-F5344CB8AC3E}">
-        <p14:creationId xmlns:p14="http://schemas.microsoft.com/office/powerpoint/2010/main" val="1571091421"/>
+        <p14:creationId xmlns:p14="http://schemas.microsoft.com/office/powerpoint/2010/main" val="821939068"/>
       </p:ext>
     </p:extLst>
   </p:cSld>
@@ -7041,7 +7489,7 @@
           <a:p>
             <a:r>
               <a:rPr lang="en-US" dirty="0" smtClean="0"/>
-              <a:t>Python Implementation</a:t>
+              <a:t>Algorithm Overview</a:t>
             </a:r>
             <a:endParaRPr lang="en-US" dirty="0"/>
           </a:p>
@@ -7062,33 +7510,65 @@
           <a:bodyPr/>
           <a:lstStyle/>
           <a:p>
-            <a:endParaRPr lang="en-US"/>
-          </a:p>
-        </p:txBody>
-      </p:sp>
-      <p:sp>
-        <p:nvSpPr>
-          <p:cNvPr id="4" name="Content Placeholder 3"/>
-          <p:cNvSpPr>
-            <a:spLocks noGrp="1"/>
-          </p:cNvSpPr>
+            <a:r>
+              <a:rPr lang="en-US" dirty="0" smtClean="0"/>
+              <a:t>Initialize Grid</a:t>
+            </a:r>
+          </a:p>
+          <a:p>
+            <a:r>
+              <a:rPr lang="en-US" dirty="0" smtClean="0"/>
+              <a:t>Iterate to maximum iterations or until there are no living cells in the grid</a:t>
+            </a:r>
+          </a:p>
+          <a:p>
+            <a:r>
+              <a:rPr lang="en-US" dirty="0" smtClean="0"/>
+              <a:t>“Visit” each cell in the grid</a:t>
+            </a:r>
+          </a:p>
+          <a:p>
+            <a:r>
+              <a:rPr lang="en-US" dirty="0" smtClean="0"/>
+              <a:t>Determine if each cell is dead or alive in next generation</a:t>
+            </a:r>
+            <a:endParaRPr lang="en-US" dirty="0"/>
+          </a:p>
+        </p:txBody>
+      </p:sp>
+      <p:pic>
+        <p:nvPicPr>
+          <p:cNvPr id="5" name="Content Placeholder 4"/>
+          <p:cNvPicPr>
+            <a:picLocks noGrp="1" noChangeAspect="1"/>
+          </p:cNvPicPr>
           <p:nvPr>
             <p:ph sz="half" idx="2"/>
           </p:nvPr>
-        </p:nvSpPr>
-        <p:spPr/>
-        <p:txBody>
-          <a:bodyPr/>
-          <a:lstStyle/>
-          <a:p>
-            <a:endParaRPr lang="en-US"/>
-          </a:p>
-        </p:txBody>
-      </p:sp>
+        </p:nvPicPr>
+        <p:blipFill>
+          <a:blip r:embed="rId2">
+            <a:extLst>
+              <a:ext uri="{28A0092B-C50C-407E-A947-70E740481C1C}">
+                <a14:useLocalDpi xmlns:a14="http://schemas.microsoft.com/office/drawing/2010/main" val="0"/>
+              </a:ext>
+            </a:extLst>
+          </a:blip>
+          <a:stretch>
+            <a:fillRect/>
+          </a:stretch>
+        </p:blipFill>
+        <p:spPr>
+          <a:xfrm>
+            <a:off x="6607175" y="3049945"/>
+            <a:ext cx="4895850" cy="2358309"/>
+          </a:xfrm>
+        </p:spPr>
+      </p:pic>
     </p:spTree>
     <p:extLst>
       <p:ext uri="{BB962C8B-B14F-4D97-AF65-F5344CB8AC3E}">
-        <p14:creationId xmlns:p14="http://schemas.microsoft.com/office/powerpoint/2010/main" val="406310859"/>
+        <p14:creationId xmlns:p14="http://schemas.microsoft.com/office/powerpoint/2010/main" val="1571091421"/>
       </p:ext>
     </p:extLst>
   </p:cSld>
@@ -7139,15 +7619,34 @@
           <a:p>
             <a:r>
               <a:rPr lang="en-US" dirty="0" smtClean="0"/>
-              <a:t>Optimizations</a:t>
-            </a:r>
-            <a:endParaRPr lang="en-US" dirty="0"/>
-          </a:p>
-        </p:txBody>
-      </p:sp>
-      <p:sp>
-        <p:nvSpPr>
-          <p:cNvPr id="3" name="Content Placeholder 2"/>
+              <a:t>Optimizations (Living Set)</a:t>
+            </a:r>
+            <a:endParaRPr lang="en-US" dirty="0"/>
+          </a:p>
+        </p:txBody>
+      </p:sp>
+      <p:sp>
+        <p:nvSpPr>
+          <p:cNvPr id="4" name="Content Placeholder 3"/>
+          <p:cNvSpPr>
+            <a:spLocks noGrp="1"/>
+          </p:cNvSpPr>
+          <p:nvPr>
+            <p:ph sz="half" idx="2"/>
+          </p:nvPr>
+        </p:nvSpPr>
+        <p:spPr/>
+        <p:txBody>
+          <a:bodyPr/>
+          <a:lstStyle/>
+          <a:p>
+            <a:endParaRPr lang="en-US" dirty="0"/>
+          </a:p>
+        </p:txBody>
+      </p:sp>
+      <p:sp>
+        <p:nvSpPr>
+          <p:cNvPr id="5" name="Content Placeholder 4"/>
           <p:cNvSpPr>
             <a:spLocks noGrp="1"/>
           </p:cNvSpPr>
@@ -7160,26 +7659,7 @@
           <a:bodyPr/>
           <a:lstStyle/>
           <a:p>
-            <a:endParaRPr lang="en-US"/>
-          </a:p>
-        </p:txBody>
-      </p:sp>
-      <p:sp>
-        <p:nvSpPr>
-          <p:cNvPr id="4" name="Content Placeholder 3"/>
-          <p:cNvSpPr>
-            <a:spLocks noGrp="1"/>
-          </p:cNvSpPr>
-          <p:nvPr>
-            <p:ph sz="half" idx="2"/>
-          </p:nvPr>
-        </p:nvSpPr>
-        <p:spPr/>
-        <p:txBody>
-          <a:bodyPr/>
-          <a:lstStyle/>
-          <a:p>
-            <a:endParaRPr lang="en-US"/>
+            <a:endParaRPr lang="en-US" dirty="0"/>
           </a:p>
         </p:txBody>
       </p:sp>
@@ -7237,15 +7717,42 @@
           <a:p>
             <a:r>
               <a:rPr lang="en-US" dirty="0" smtClean="0"/>
-              <a:t>Results</a:t>
-            </a:r>
-            <a:endParaRPr lang="en-US" dirty="0"/>
-          </a:p>
-        </p:txBody>
-      </p:sp>
-      <p:sp>
-        <p:nvSpPr>
-          <p:cNvPr id="3" name="Content Placeholder 2"/>
+              <a:t>Optimizations (</a:t>
+            </a:r>
+            <a:r>
+              <a:rPr lang="en-US" dirty="0" err="1" smtClean="0"/>
+              <a:t>Quadtree</a:t>
+            </a:r>
+            <a:r>
+              <a:rPr lang="en-US" dirty="0" smtClean="0"/>
+              <a:t>)</a:t>
+            </a:r>
+            <a:endParaRPr lang="en-US" dirty="0"/>
+          </a:p>
+        </p:txBody>
+      </p:sp>
+      <p:sp>
+        <p:nvSpPr>
+          <p:cNvPr id="4" name="Content Placeholder 3"/>
+          <p:cNvSpPr>
+            <a:spLocks noGrp="1"/>
+          </p:cNvSpPr>
+          <p:nvPr>
+            <p:ph sz="half" idx="2"/>
+          </p:nvPr>
+        </p:nvSpPr>
+        <p:spPr/>
+        <p:txBody>
+          <a:bodyPr/>
+          <a:lstStyle/>
+          <a:p>
+            <a:endParaRPr lang="en-US" dirty="0"/>
+          </a:p>
+        </p:txBody>
+      </p:sp>
+      <p:sp>
+        <p:nvSpPr>
+          <p:cNvPr id="5" name="Content Placeholder 4"/>
           <p:cNvSpPr>
             <a:spLocks noGrp="1"/>
           </p:cNvSpPr>
@@ -7258,33 +7765,14 @@
           <a:bodyPr/>
           <a:lstStyle/>
           <a:p>
-            <a:endParaRPr lang="en-US"/>
-          </a:p>
-        </p:txBody>
-      </p:sp>
-      <p:sp>
-        <p:nvSpPr>
-          <p:cNvPr id="4" name="Content Placeholder 3"/>
-          <p:cNvSpPr>
-            <a:spLocks noGrp="1"/>
-          </p:cNvSpPr>
-          <p:nvPr>
-            <p:ph sz="half" idx="2"/>
-          </p:nvPr>
-        </p:nvSpPr>
-        <p:spPr/>
-        <p:txBody>
-          <a:bodyPr/>
-          <a:lstStyle/>
-          <a:p>
-            <a:endParaRPr lang="en-US"/>
+            <a:endParaRPr lang="en-US" dirty="0"/>
           </a:p>
         </p:txBody>
       </p:sp>
     </p:spTree>
     <p:extLst>
       <p:ext uri="{BB962C8B-B14F-4D97-AF65-F5344CB8AC3E}">
-        <p14:creationId xmlns:p14="http://schemas.microsoft.com/office/powerpoint/2010/main" val="1484791434"/>
+        <p14:creationId xmlns:p14="http://schemas.microsoft.com/office/powerpoint/2010/main" val="282043772"/>
       </p:ext>
     </p:extLst>
   </p:cSld>
@@ -7328,28 +7816,303 @@
             <p:ph type="title"/>
           </p:nvPr>
         </p:nvSpPr>
+        <p:spPr/>
+        <p:txBody>
+          <a:bodyPr/>
+          <a:lstStyle/>
+          <a:p>
+            <a:r>
+              <a:rPr lang="en-US" dirty="0" smtClean="0"/>
+              <a:t>Results (Visualization)</a:t>
+            </a:r>
+            <a:endParaRPr lang="en-US" dirty="0"/>
+          </a:p>
+        </p:txBody>
+      </p:sp>
+      <p:pic>
+        <p:nvPicPr>
+          <p:cNvPr id="6" name="Content Placeholder 5"/>
+          <p:cNvPicPr>
+            <a:picLocks noGrp="1" noChangeAspect="1"/>
+          </p:cNvPicPr>
+          <p:nvPr>
+            <p:ph sz="half" idx="1"/>
+          </p:nvPr>
+        </p:nvPicPr>
+        <p:blipFill>
+          <a:blip r:embed="rId2">
+            <a:extLst>
+              <a:ext uri="{28A0092B-C50C-407E-A947-70E740481C1C}">
+                <a14:useLocalDpi xmlns:a14="http://schemas.microsoft.com/office/drawing/2010/main" val="0"/>
+              </a:ext>
+            </a:extLst>
+          </a:blip>
+          <a:stretch>
+            <a:fillRect/>
+          </a:stretch>
+        </p:blipFill>
         <p:spPr>
           <a:xfrm>
-            <a:off x="1484311" y="2603088"/>
-            <a:ext cx="10018713" cy="1752599"/>
+            <a:off x="1848644" y="2667000"/>
+            <a:ext cx="4165600" cy="3124200"/>
           </a:xfrm>
         </p:spPr>
-        <p:txBody>
-          <a:bodyPr/>
-          <a:lstStyle/>
-          <a:p>
-            <a:r>
-              <a:rPr lang="en-US" smtClean="0"/>
-              <a:t>Demo</a:t>
+      </p:pic>
+      <p:pic>
+        <p:nvPicPr>
+          <p:cNvPr id="5" name="Content Placeholder 4"/>
+          <p:cNvPicPr>
+            <a:picLocks noGrp="1" noChangeAspect="1"/>
+          </p:cNvPicPr>
+          <p:nvPr>
+            <p:ph sz="half" idx="2"/>
+          </p:nvPr>
+        </p:nvPicPr>
+        <p:blipFill>
+          <a:blip r:embed="rId3">
+            <a:extLst>
+              <a:ext uri="{28A0092B-C50C-407E-A947-70E740481C1C}">
+                <a14:useLocalDpi xmlns:a14="http://schemas.microsoft.com/office/drawing/2010/main" val="0"/>
+              </a:ext>
+            </a:extLst>
+          </a:blip>
+          <a:stretch>
+            <a:fillRect/>
+          </a:stretch>
+        </p:blipFill>
+        <p:spPr>
+          <a:xfrm>
+            <a:off x="6972300" y="2667000"/>
+            <a:ext cx="4165600" cy="3124200"/>
+          </a:xfrm>
+        </p:spPr>
+      </p:pic>
+      <p:sp>
+        <p:nvSpPr>
+          <p:cNvPr id="3" name="TextBox 2"/>
+          <p:cNvSpPr txBox="1"/>
+          <p:nvPr/>
+        </p:nvSpPr>
+        <p:spPr>
+          <a:xfrm>
+            <a:off x="1848644" y="5791200"/>
+            <a:ext cx="4165599" cy="369332"/>
+          </a:xfrm>
+          <a:prstGeom prst="rect">
+            <a:avLst/>
+          </a:prstGeom>
+          <a:noFill/>
+        </p:spPr>
+        <p:txBody>
+          <a:bodyPr wrap="square" rtlCol="0">
+            <a:spAutoFit/>
+          </a:bodyPr>
+          <a:lstStyle/>
+          <a:p>
+            <a:pPr algn="ctr"/>
+            <a:r>
+              <a:rPr lang="en-US" smtClean="0"/>
+              <a:t>Glider Gun Example</a:t>
             </a:r>
             <a:endParaRPr lang="en-US"/>
+          </a:p>
+        </p:txBody>
+      </p:sp>
+      <p:sp>
+        <p:nvSpPr>
+          <p:cNvPr id="7" name="TextBox 6"/>
+          <p:cNvSpPr txBox="1"/>
+          <p:nvPr/>
+        </p:nvSpPr>
+        <p:spPr>
+          <a:xfrm>
+            <a:off x="6972299" y="5791200"/>
+            <a:ext cx="4165601" cy="369332"/>
+          </a:xfrm>
+          <a:prstGeom prst="rect">
+            <a:avLst/>
+          </a:prstGeom>
+          <a:noFill/>
+        </p:spPr>
+        <p:txBody>
+          <a:bodyPr wrap="square" rtlCol="0">
+            <a:spAutoFit/>
+          </a:bodyPr>
+          <a:lstStyle/>
+          <a:p>
+            <a:pPr algn="ctr"/>
+            <a:r>
+              <a:rPr lang="en-US" dirty="0" smtClean="0"/>
+              <a:t>Sierpinski Triangle Example</a:t>
+            </a:r>
+            <a:endParaRPr lang="en-US" dirty="0"/>
+          </a:p>
+        </p:txBody>
+      </p:sp>
+      <p:sp>
+        <p:nvSpPr>
+          <p:cNvPr id="8" name="TextBox 7"/>
+          <p:cNvSpPr txBox="1"/>
+          <p:nvPr/>
+        </p:nvSpPr>
+        <p:spPr>
+          <a:xfrm>
+            <a:off x="1848644" y="6160532"/>
+            <a:ext cx="4165599" cy="369332"/>
+          </a:xfrm>
+          <a:prstGeom prst="rect">
+            <a:avLst/>
+          </a:prstGeom>
+          <a:noFill/>
+        </p:spPr>
+        <p:txBody>
+          <a:bodyPr wrap="square" rtlCol="0">
+            <a:spAutoFit/>
+          </a:bodyPr>
+          <a:lstStyle/>
+          <a:p>
+            <a:pPr algn="ctr"/>
+            <a:r>
+              <a:rPr lang="en-US" dirty="0" smtClean="0"/>
+              <a:t>Automaton: B3/S23</a:t>
+            </a:r>
+            <a:endParaRPr lang="en-US" dirty="0"/>
+          </a:p>
+        </p:txBody>
+      </p:sp>
+      <p:sp>
+        <p:nvSpPr>
+          <p:cNvPr id="9" name="TextBox 8"/>
+          <p:cNvSpPr txBox="1"/>
+          <p:nvPr/>
+        </p:nvSpPr>
+        <p:spPr>
+          <a:xfrm>
+            <a:off x="6972298" y="6160532"/>
+            <a:ext cx="4165599" cy="369332"/>
+          </a:xfrm>
+          <a:prstGeom prst="rect">
+            <a:avLst/>
+          </a:prstGeom>
+          <a:noFill/>
+        </p:spPr>
+        <p:txBody>
+          <a:bodyPr wrap="square" rtlCol="0">
+            <a:spAutoFit/>
+          </a:bodyPr>
+          <a:lstStyle/>
+          <a:p>
+            <a:pPr algn="ctr"/>
+            <a:r>
+              <a:rPr lang="en-US" dirty="0" smtClean="0"/>
+              <a:t>Automaton: B1/S12</a:t>
+            </a:r>
+            <a:endParaRPr lang="en-US" dirty="0"/>
           </a:p>
         </p:txBody>
       </p:sp>
     </p:spTree>
     <p:extLst>
       <p:ext uri="{BB962C8B-B14F-4D97-AF65-F5344CB8AC3E}">
-        <p14:creationId xmlns:p14="http://schemas.microsoft.com/office/powerpoint/2010/main" val="1889775759"/>
+        <p14:creationId xmlns:p14="http://schemas.microsoft.com/office/powerpoint/2010/main" val="1484791434"/>
+      </p:ext>
+    </p:extLst>
+  </p:cSld>
+  <p:clrMapOvr>
+    <a:masterClrMapping/>
+  </p:clrMapOvr>
+  <p:timing>
+    <p:tnLst>
+      <p:par>
+        <p:cTn id="1" dur="indefinite" restart="never" nodeType="tmRoot"/>
+      </p:par>
+    </p:tnLst>
+  </p:timing>
+</p:sld>
+</file>
+
+<file path=ppt/slides/slide9.xml><?xml version="1.0" encoding="utf-8"?>
+<p:sld xmlns:a="http://schemas.openxmlformats.org/drawingml/2006/main" xmlns:r="http://schemas.openxmlformats.org/officeDocument/2006/relationships" xmlns:p="http://schemas.openxmlformats.org/presentationml/2006/main">
+  <p:cSld>
+    <p:spTree>
+      <p:nvGrpSpPr>
+        <p:cNvPr id="1" name=""/>
+        <p:cNvGrpSpPr/>
+        <p:nvPr/>
+      </p:nvGrpSpPr>
+      <p:grpSpPr>
+        <a:xfrm>
+          <a:off x="0" y="0"/>
+          <a:ext cx="0" cy="0"/>
+          <a:chOff x="0" y="0"/>
+          <a:chExt cx="0" cy="0"/>
+        </a:xfrm>
+      </p:grpSpPr>
+      <p:sp>
+        <p:nvSpPr>
+          <p:cNvPr id="2" name="Title 1"/>
+          <p:cNvSpPr>
+            <a:spLocks noGrp="1"/>
+          </p:cNvSpPr>
+          <p:nvPr>
+            <p:ph type="title"/>
+          </p:nvPr>
+        </p:nvSpPr>
+        <p:spPr/>
+        <p:txBody>
+          <a:bodyPr/>
+          <a:lstStyle/>
+          <a:p>
+            <a:r>
+              <a:rPr lang="en-US" dirty="0" smtClean="0"/>
+              <a:t>Results (Performance Analysis)</a:t>
+            </a:r>
+            <a:endParaRPr lang="en-US" dirty="0"/>
+          </a:p>
+        </p:txBody>
+      </p:sp>
+      <p:sp>
+        <p:nvSpPr>
+          <p:cNvPr id="3" name="Content Placeholder 2"/>
+          <p:cNvSpPr>
+            <a:spLocks noGrp="1"/>
+          </p:cNvSpPr>
+          <p:nvPr>
+            <p:ph sz="half" idx="1"/>
+          </p:nvPr>
+        </p:nvSpPr>
+        <p:spPr/>
+        <p:txBody>
+          <a:bodyPr/>
+          <a:lstStyle/>
+          <a:p>
+            <a:endParaRPr lang="en-US"/>
+          </a:p>
+        </p:txBody>
+      </p:sp>
+      <p:sp>
+        <p:nvSpPr>
+          <p:cNvPr id="4" name="Content Placeholder 3"/>
+          <p:cNvSpPr>
+            <a:spLocks noGrp="1"/>
+          </p:cNvSpPr>
+          <p:nvPr>
+            <p:ph sz="half" idx="2"/>
+          </p:nvPr>
+        </p:nvSpPr>
+        <p:spPr/>
+        <p:txBody>
+          <a:bodyPr/>
+          <a:lstStyle/>
+          <a:p>
+            <a:endParaRPr lang="en-US"/>
+          </a:p>
+        </p:txBody>
+      </p:sp>
+    </p:spTree>
+    <p:extLst>
+      <p:ext uri="{BB962C8B-B14F-4D97-AF65-F5344CB8AC3E}">
+        <p14:creationId xmlns:p14="http://schemas.microsoft.com/office/powerpoint/2010/main" val="532417626"/>
       </p:ext>
     </p:extLst>
   </p:cSld>

--- a/presentation/ConwayGameOfLife.pptx
+++ b/presentation/ConwayGameOfLife.pptx
@@ -7327,7 +7327,15 @@
           <a:p>
             <a:r>
               <a:rPr lang="en-US" dirty="0" smtClean="0"/>
-              <a:t>Conway Rules (B2/S23)</a:t>
+              <a:t>Conway Rules </a:t>
+            </a:r>
+            <a:r>
+              <a:rPr lang="en-US" smtClean="0"/>
+              <a:t>(B3/S23</a:t>
+            </a:r>
+            <a:r>
+              <a:rPr lang="en-US" dirty="0" smtClean="0"/>
+              <a:t>)</a:t>
             </a:r>
             <a:endParaRPr lang="en-US" dirty="0"/>
           </a:p>

--- a/presentation/ConwayGameOfLife.pptx
+++ b/presentation/ConwayGameOfLife.pptx
@@ -20,7 +20,6 @@
     <p:sldId id="262" r:id="rId13"/>
     <p:sldId id="263" r:id="rId14"/>
     <p:sldId id="264" r:id="rId15"/>
-    <p:sldId id="265" r:id="rId16"/>
   </p:sldIdLst>
   <p:sldSz cx="12192000" cy="6858000"/>
   <p:notesSz cx="6858000" cy="9144000"/>
@@ -196,7 +195,7 @@
           <a:bodyPr lIns="0" rIns="0" tIns="0" bIns="0" anchor="b"/>
           <a:p>
             <a:pPr algn="r"/>
-            <a:fld id="{27A9360A-A44E-4947-B0BB-686A56A0660E}" type="slidenum">
+            <a:fld id="{F9FB0CF1-DC42-4AA6-A294-1381B684CD9B}" type="slidenum">
               <a:rPr lang="en-US" sz="1400">
                 <a:latin typeface="Times New Roman"/>
               </a:rPr>
@@ -231,7 +230,7 @@
       </p:grpSpPr>
       <p:sp>
         <p:nvSpPr>
-          <p:cNvPr id="226" name="PlaceHolder 1"/>
+          <p:cNvPr id="223" name="PlaceHolder 1"/>
           <p:cNvSpPr>
             <a:spLocks noGrp="1"/>
           </p:cNvSpPr>
@@ -257,7 +256,7 @@
       </p:sp>
       <p:sp>
         <p:nvSpPr>
-          <p:cNvPr id="227" name="TextShape 2"/>
+          <p:cNvPr id="224" name="TextShape 2"/>
           <p:cNvSpPr txBox="1"/>
           <p:nvPr/>
         </p:nvSpPr>
@@ -282,7 +281,7 @@
                 <a:spcPct val="100000"/>
               </a:lnSpc>
             </a:pPr>
-            <a:fld id="{0DCDA6ED-58DB-452E-A534-03058D08D4C1}" type="slidenum">
+            <a:fld id="{5954A7C0-BDDE-49DB-9D23-DF5AAFD822E4}" type="slidenum">
               <a:rPr lang="en-US" sz="1200" strike="noStrike">
                 <a:solidFill>
                   <a:srgbClr val="000000"/>
@@ -320,7 +319,7 @@
       </p:grpSpPr>
       <p:sp>
         <p:nvSpPr>
-          <p:cNvPr id="228" name="PlaceHolder 1"/>
+          <p:cNvPr id="225" name="PlaceHolder 1"/>
           <p:cNvSpPr>
             <a:spLocks noGrp="1"/>
           </p:cNvSpPr>
@@ -352,7 +351,7 @@
       </p:sp>
       <p:sp>
         <p:nvSpPr>
-          <p:cNvPr id="229" name="TextShape 2"/>
+          <p:cNvPr id="226" name="TextShape 2"/>
           <p:cNvSpPr txBox="1"/>
           <p:nvPr/>
         </p:nvSpPr>
@@ -377,7 +376,7 @@
                 <a:spcPct val="100000"/>
               </a:lnSpc>
             </a:pPr>
-            <a:fld id="{A7309224-42CB-436F-8EB0-8AB44E33682D}" type="slidenum">
+            <a:fld id="{63429887-4756-4BFA-A59A-EF6CBB316FD2}" type="slidenum">
               <a:rPr lang="en-US" sz="1200" strike="noStrike">
                 <a:solidFill>
                   <a:srgbClr val="000000"/>
@@ -415,7 +414,7 @@
       </p:grpSpPr>
       <p:sp>
         <p:nvSpPr>
-          <p:cNvPr id="230" name="PlaceHolder 1"/>
+          <p:cNvPr id="227" name="PlaceHolder 1"/>
           <p:cNvSpPr>
             <a:spLocks noGrp="1"/>
           </p:cNvSpPr>
@@ -447,7 +446,7 @@
       </p:sp>
       <p:sp>
         <p:nvSpPr>
-          <p:cNvPr id="231" name="TextShape 2"/>
+          <p:cNvPr id="228" name="TextShape 2"/>
           <p:cNvSpPr txBox="1"/>
           <p:nvPr/>
         </p:nvSpPr>
@@ -472,7 +471,7 @@
                 <a:spcPct val="100000"/>
               </a:lnSpc>
             </a:pPr>
-            <a:fld id="{35FD5BEF-709F-405C-89C1-F4D8E62E9D88}" type="slidenum">
+            <a:fld id="{8F85ED23-A562-438D-B789-5A5DB34BE61B}" type="slidenum">
               <a:rPr lang="en-US" sz="1200" strike="noStrike">
                 <a:solidFill>
                   <a:srgbClr val="000000"/>
@@ -5888,7 +5887,7 @@
                 <a:spcPct val="100000"/>
               </a:lnSpc>
             </a:pPr>
-            <a:fld id="{E7355159-0AE5-4D8B-AF4B-ABA85745430D}" type="slidenum">
+            <a:fld id="{386AD52E-9484-44CC-9B5A-B50D329DB672}" type="slidenum">
               <a:rPr lang="en-US" sz="1000" strike="noStrike">
                 <a:solidFill>
                   <a:srgbClr val="000000"/>
@@ -6766,7 +6765,7 @@
                 <a:spcPct val="100000"/>
               </a:lnSpc>
             </a:pPr>
-            <a:fld id="{63C6E10A-C562-4717-94AE-9A02C2135008}" type="slidenum">
+            <a:fld id="{A777FD0F-5251-4CB1-9E8E-A008617571E5}" type="slidenum">
               <a:rPr lang="en-US" sz="1000" strike="noStrike">
                 <a:solidFill>
                   <a:srgbClr val="000000"/>
@@ -7748,7 +7747,7 @@
                 <a:spcPct val="100000"/>
               </a:lnSpc>
             </a:pPr>
-            <a:fld id="{F78A8B28-F4F0-47BF-B893-02692B3F035F}" type="slidenum">
+            <a:fld id="{E48EC184-CDDA-4A43-BED2-BE21BF2DD6B4}" type="slidenum">
               <a:rPr lang="en-US" sz="1000" strike="noStrike">
                 <a:solidFill>
                   <a:srgbClr val="000000"/>
@@ -8280,7 +8279,7 @@
                 <a:spcPct val="100000"/>
               </a:lnSpc>
             </a:pPr>
-            <a:fld id="{8CAFEFBE-D44E-4408-B8DD-B1595CBE0C92}" type="slidenum">
+            <a:fld id="{D2EB1C81-86FE-414F-8E15-696AC430EB72}" type="slidenum">
               <a:rPr lang="en-US" sz="1000" strike="noStrike">
                 <a:solidFill>
                   <a:srgbClr val="000000"/>
@@ -8621,95 +8620,6 @@
           <p:childTnLst>
             <p:seq>
               <p:cTn id="2" nodeType="mainSeq"/>
-              <p:prevCondLst>
-                <p:cond delay="0" evt="onPrev">
-                  <p:tgtEl>
-                    <p:sldTgt/>
-                  </p:tgtEl>
-                </p:cond>
-              </p:prevCondLst>
-              <p:nextCondLst>
-                <p:cond delay="0" evt="onNext">
-                  <p:tgtEl>
-                    <p:sldTgt/>
-                  </p:tgtEl>
-                </p:cond>
-              </p:nextCondLst>
-            </p:seq>
-          </p:childTnLst>
-        </p:cTn>
-      </p:par>
-    </p:tnLst>
-  </p:timing>
-</p:sld>
-</file>
-
-<file path=ppt/slides/slide10.xml><?xml version="1.0" encoding="utf-8"?>
-<p:sld xmlns:a="http://schemas.openxmlformats.org/drawingml/2006/main" xmlns:p="http://schemas.openxmlformats.org/presentationml/2006/main" xmlns:r="http://schemas.openxmlformats.org/officeDocument/2006/relationships">
-  <p:cSld>
-    <p:spTree>
-      <p:nvGrpSpPr>
-        <p:cNvPr id="1" name=""/>
-        <p:cNvGrpSpPr/>
-        <p:nvPr/>
-      </p:nvGrpSpPr>
-      <p:grpSpPr>
-        <a:xfrm>
-          <a:off x="0" y="0"/>
-          <a:ext cx="0" cy="0"/>
-          <a:chOff x="0" y="0"/>
-          <a:chExt cx="0" cy="0"/>
-        </a:xfrm>
-      </p:grpSpPr>
-      <p:sp>
-        <p:nvSpPr>
-          <p:cNvPr id="225" name="TextShape 1"/>
-          <p:cNvSpPr txBox="1"/>
-          <p:nvPr/>
-        </p:nvSpPr>
-        <p:spPr>
-          <a:xfrm>
-            <a:off x="1484280" y="2603160"/>
-            <a:ext cx="10018440" cy="1752120"/>
-          </a:xfrm>
-          <a:prstGeom prst="rect">
-            <a:avLst/>
-          </a:prstGeom>
-          <a:noFill/>
-          <a:ln>
-            <a:noFill/>
-          </a:ln>
-        </p:spPr>
-        <p:txBody>
-          <a:bodyPr anchor="ctr"/>
-          <a:p>
-            <a:pPr algn="ctr">
-              <a:lnSpc>
-                <a:spcPct val="100000"/>
-              </a:lnSpc>
-            </a:pPr>
-            <a:r>
-              <a:rPr lang="en-US" sz="4000" strike="noStrike">
-                <a:solidFill>
-                  <a:srgbClr val="000000"/>
-                </a:solidFill>
-                <a:latin typeface="Corbel"/>
-              </a:rPr>
-              <a:t>Demo</a:t>
-            </a:r>
-            <a:endParaRPr/>
-          </a:p>
-        </p:txBody>
-      </p:sp>
-    </p:spTree>
-  </p:cSld>
-  <p:timing>
-    <p:tnLst>
-      <p:par>
-        <p:cTn id="19" dur="indefinite" restart="never" nodeType="tmRoot">
-          <p:childTnLst>
-            <p:seq>
-              <p:cTn id="20" nodeType="mainSeq"/>
               <p:prevCondLst>
                 <p:cond delay="0" evt="onPrev">
                   <p:tgtEl>
@@ -9644,6 +9554,43 @@
             </a:r>
             <a:endParaRPr/>
           </a:p>
+          <a:p>
+            <a:pPr>
+              <a:lnSpc>
+                <a:spcPct val="100000"/>
+              </a:lnSpc>
+              <a:buSzPct val="145000"/>
+              <a:buFont typeface="Arial"/>
+              <a:buChar char="•"/>
+            </a:pPr>
+            <a:r>
+              <a:rPr lang="en-US" strike="noStrike">
+                <a:solidFill>
+                  <a:srgbClr val="000000"/>
+                </a:solidFill>
+                <a:latin typeface="Corbel"/>
+              </a:rPr>
+              <a:t>Optimized by using sets containing living cells</a:t>
+            </a:r>
+            <a:endParaRPr/>
+          </a:p>
+          <a:p>
+            <a:pPr lvl="1">
+              <a:buSzPct val="75000"/>
+              <a:buFont typeface="StarSymbol"/>
+              <a:buChar char=""/>
+            </a:pPr>
+            <a:r>
+              <a:rPr lang="en-US" strike="noStrike">
+                <a:solidFill>
+                  <a:srgbClr val="000000"/>
+                </a:solidFill>
+                <a:latin typeface="Corbel"/>
+              </a:rPr>
+              <a:t>No need to check entire grid</a:t>
+            </a:r>
+            <a:endParaRPr/>
+          </a:p>
         </p:txBody>
       </p:sp>
       <p:pic>
@@ -9752,22 +9699,68 @@
                 </a:solidFill>
                 <a:latin typeface="Corbel"/>
               </a:rPr>
-              <a:t>Optimizations (Living Set)</a:t>
+              <a:t>Optimizations (Quadtree)</a:t>
             </a:r>
             <a:endParaRPr/>
           </a:p>
         </p:txBody>
       </p:sp>
-      <p:sp>
-        <p:nvSpPr>
-          <p:cNvPr id="209" name="TextShape 2"/>
+      <p:pic>
+        <p:nvPicPr>
+          <p:cNvPr id="209" name="" descr=""/>
+          <p:cNvPicPr/>
+          <p:nvPr/>
+        </p:nvPicPr>
+        <p:blipFill>
+          <a:blip r:embed="rId1"/>
+          <a:stretch/>
+        </p:blipFill>
+        <p:spPr>
+          <a:xfrm>
+            <a:off x="7955280" y="4206240"/>
+            <a:ext cx="2926080" cy="2026440"/>
+          </a:xfrm>
+          <a:prstGeom prst="rect">
+            <a:avLst/>
+          </a:prstGeom>
+          <a:ln>
+            <a:noFill/>
+          </a:ln>
+        </p:spPr>
+      </p:pic>
+      <p:pic>
+        <p:nvPicPr>
+          <p:cNvPr id="210" name="" descr=""/>
+          <p:cNvPicPr/>
+          <p:nvPr/>
+        </p:nvPicPr>
+        <p:blipFill>
+          <a:blip r:embed="rId2"/>
+          <a:stretch/>
+        </p:blipFill>
+        <p:spPr>
+          <a:xfrm>
+            <a:off x="7975440" y="2103120"/>
+            <a:ext cx="2905920" cy="2026440"/>
+          </a:xfrm>
+          <a:prstGeom prst="rect">
+            <a:avLst/>
+          </a:prstGeom>
+          <a:ln>
+            <a:noFill/>
+          </a:ln>
+        </p:spPr>
+      </p:pic>
+      <p:sp>
+        <p:nvSpPr>
+          <p:cNvPr id="211" name="TextShape 2"/>
           <p:cNvSpPr txBox="1"/>
           <p:nvPr/>
         </p:nvSpPr>
         <p:spPr>
           <a:xfrm>
-            <a:off x="6607800" y="2666880"/>
-            <a:ext cx="4894560" cy="3123720"/>
+            <a:off x="1484280" y="2667240"/>
+            <a:ext cx="6013800" cy="3123720"/>
           </a:xfrm>
           <a:prstGeom prst="rect">
             <a:avLst/>
@@ -9780,32 +9773,127 @@
         <p:txBody>
           <a:bodyPr anchor="ctr"/>
           <a:p>
-            <a:endParaRPr/>
-          </a:p>
-        </p:txBody>
-      </p:sp>
-      <p:sp>
-        <p:nvSpPr>
-          <p:cNvPr id="210" name="TextShape 3"/>
-          <p:cNvSpPr txBox="1"/>
-          <p:nvPr/>
-        </p:nvSpPr>
-        <p:spPr>
-          <a:xfrm>
-            <a:off x="1484280" y="2666880"/>
-            <a:ext cx="4894560" cy="3123720"/>
-          </a:xfrm>
-          <a:prstGeom prst="rect">
-            <a:avLst/>
-          </a:prstGeom>
-          <a:noFill/>
-          <a:ln>
-            <a:noFill/>
-          </a:ln>
-        </p:spPr>
-        <p:txBody>
-          <a:bodyPr anchor="ctr"/>
-          <a:p>
+            <a:pPr>
+              <a:lnSpc>
+                <a:spcPct val="100000"/>
+              </a:lnSpc>
+              <a:buSzPct val="145000"/>
+              <a:buFont typeface="Arial"/>
+              <a:buChar char="•"/>
+            </a:pPr>
+            <a:r>
+              <a:rPr lang="en-US" strike="noStrike">
+                <a:solidFill>
+                  <a:srgbClr val="000000"/>
+                </a:solidFill>
+                <a:latin typeface="Corbel"/>
+              </a:rPr>
+              <a:t>Tree where each node meets the following</a:t>
+            </a:r>
+            <a:endParaRPr/>
+          </a:p>
+          <a:p>
+            <a:pPr lvl="1">
+              <a:buSzPct val="75000"/>
+              <a:buFont typeface="StarSymbol"/>
+              <a:buChar char=""/>
+            </a:pPr>
+            <a:r>
+              <a:rPr lang="en-US" strike="noStrike">
+                <a:solidFill>
+                  <a:srgbClr val="000000"/>
+                </a:solidFill>
+                <a:latin typeface="Corbel"/>
+              </a:rPr>
+              <a:t>Has 4 Children</a:t>
+            </a:r>
+            <a:endParaRPr/>
+          </a:p>
+          <a:p>
+            <a:pPr lvl="1">
+              <a:buSzPct val="75000"/>
+              <a:buFont typeface="StarSymbol"/>
+              <a:buChar char=""/>
+            </a:pPr>
+            <a:r>
+              <a:rPr lang="en-US" strike="noStrike">
+                <a:solidFill>
+                  <a:srgbClr val="000000"/>
+                </a:solidFill>
+                <a:latin typeface="Corbel"/>
+              </a:rPr>
+              <a:t>Or is a leaf</a:t>
+            </a:r>
+            <a:endParaRPr/>
+          </a:p>
+          <a:p>
+            <a:pPr lvl="1">
+              <a:buSzPct val="75000"/>
+              <a:buFont typeface="StarSymbol"/>
+              <a:buChar char=""/>
+            </a:pPr>
+            <a:endParaRPr/>
+          </a:p>
+          <a:p>
+            <a:pPr>
+              <a:lnSpc>
+                <a:spcPct val="100000"/>
+              </a:lnSpc>
+              <a:buSzPct val="145000"/>
+              <a:buFont typeface="Arial"/>
+              <a:buChar char="•"/>
+            </a:pPr>
+            <a:r>
+              <a:rPr lang="en-US" strike="noStrike">
+                <a:solidFill>
+                  <a:srgbClr val="000000"/>
+                </a:solidFill>
+                <a:latin typeface="Corbel"/>
+              </a:rPr>
+              <a:t>Every leaf is a live node</a:t>
+            </a:r>
+            <a:endParaRPr/>
+          </a:p>
+          <a:p>
+            <a:pPr lvl="1">
+              <a:buSzPct val="75000"/>
+              <a:buFont typeface="StarSymbol"/>
+              <a:buChar char=""/>
+            </a:pPr>
+            <a:r>
+              <a:rPr lang="en-US" strike="noStrike">
+                <a:solidFill>
+                  <a:srgbClr val="000000"/>
+                </a:solidFill>
+                <a:latin typeface="Corbel"/>
+              </a:rPr>
+              <a:t>Only these paths are saved in the structure</a:t>
+            </a:r>
+            <a:endParaRPr/>
+          </a:p>
+          <a:p>
+            <a:pPr lvl="1">
+              <a:buSzPct val="75000"/>
+              <a:buFont typeface="StarSymbol"/>
+              <a:buChar char=""/>
+            </a:pPr>
+            <a:endParaRPr/>
+          </a:p>
+          <a:p>
+            <a:pPr>
+              <a:buSzPct val="145000"/>
+              <a:buFont typeface="Arial"/>
+              <a:buChar char="•"/>
+            </a:pPr>
+            <a:r>
+              <a:rPr lang="en-US" strike="noStrike">
+                <a:solidFill>
+                  <a:srgbClr val="000000"/>
+                </a:solidFill>
+                <a:latin typeface="Corbel"/>
+              </a:rPr>
+              <a:t>Natural to represent spatial data </a:t>
+            </a:r>
             <a:endParaRPr/>
           </a:p>
         </p:txBody>
@@ -9861,7 +9949,7 @@
       </p:grpSpPr>
       <p:sp>
         <p:nvSpPr>
-          <p:cNvPr id="211" name="TextShape 1"/>
+          <p:cNvPr id="212" name="TextShape 1"/>
           <p:cNvSpPr txBox="1"/>
           <p:nvPr/>
         </p:nvSpPr>
@@ -9893,7 +9981,7 @@
                 </a:solidFill>
                 <a:latin typeface="Corbel"/>
               </a:rPr>
-              <a:t>Optimizations (Quadtree)</a:t>
+              <a:t>Results (Visualization)</a:t>
             </a:r>
             <a:endParaRPr/>
           </a:p>
@@ -9901,7 +9989,7 @@
       </p:sp>
       <p:pic>
         <p:nvPicPr>
-          <p:cNvPr id="212" name="" descr=""/>
+          <p:cNvPr id="213" name="Content Placeholder 5" descr=""/>
           <p:cNvPicPr/>
           <p:nvPr/>
         </p:nvPicPr>
@@ -9911,8 +9999,8 @@
         </p:blipFill>
         <p:spPr>
           <a:xfrm>
-            <a:off x="7955280" y="4206240"/>
-            <a:ext cx="2926080" cy="2026440"/>
+            <a:off x="1848600" y="2666880"/>
+            <a:ext cx="4165200" cy="3123720"/>
           </a:xfrm>
           <a:prstGeom prst="rect">
             <a:avLst/>
@@ -9924,7 +10012,7 @@
       </p:pic>
       <p:pic>
         <p:nvPicPr>
-          <p:cNvPr id="213" name="" descr=""/>
+          <p:cNvPr id="214" name="Content Placeholder 4" descr=""/>
           <p:cNvPicPr/>
           <p:nvPr/>
         </p:nvPicPr>
@@ -9934,8 +10022,8 @@
         </p:blipFill>
         <p:spPr>
           <a:xfrm>
-            <a:off x="7975440" y="2103120"/>
-            <a:ext cx="2905920" cy="2026440"/>
+            <a:off x="6972480" y="2666880"/>
+            <a:ext cx="4165200" cy="3123720"/>
           </a:xfrm>
           <a:prstGeom prst="rect">
             <a:avLst/>
@@ -9947,14 +10035,14 @@
       </p:pic>
       <p:sp>
         <p:nvSpPr>
-          <p:cNvPr id="214" name="TextShape 2"/>
-          <p:cNvSpPr txBox="1"/>
+          <p:cNvPr id="215" name="CustomShape 2"/>
+          <p:cNvSpPr/>
           <p:nvPr/>
         </p:nvSpPr>
         <p:spPr>
           <a:xfrm>
-            <a:off x="1484280" y="2667240"/>
-            <a:ext cx="6013800" cy="3123720"/>
+            <a:off x="1848600" y="5791320"/>
+            <a:ext cx="4165200" cy="364680"/>
           </a:xfrm>
           <a:prstGeom prst="rect">
             <a:avLst/>
@@ -9964,16 +10052,19 @@
             <a:noFill/>
           </a:ln>
         </p:spPr>
-        <p:txBody>
-          <a:bodyPr anchor="ctr"/>
-          <a:p>
-            <a:pPr>
+        <p:style>
+          <a:lnRef idx="0"/>
+          <a:fillRef idx="0"/>
+          <a:effectRef idx="0"/>
+          <a:fontRef idx="minor"/>
+        </p:style>
+        <p:txBody>
+          <a:bodyPr lIns="90000" rIns="90000" tIns="45000" bIns="45000"/>
+          <a:p>
+            <a:pPr algn="ctr">
               <a:lnSpc>
                 <a:spcPct val="100000"/>
               </a:lnSpc>
-              <a:buSzPct val="145000"/>
-              <a:buFont typeface="Arial"/>
-              <a:buChar char="•"/>
             </a:pPr>
             <a:r>
               <a:rPr lang="en-US" strike="noStrike">
@@ -9982,15 +10073,44 @@
                 </a:solidFill>
                 <a:latin typeface="Corbel"/>
               </a:rPr>
-              <a:t>Tree where each node meets the following</a:t>
+              <a:t>Glider Gun Example</a:t>
             </a:r>
             <a:endParaRPr/>
           </a:p>
-          <a:p>
-            <a:pPr lvl="1">
-              <a:buSzPct val="75000"/>
-              <a:buFont typeface="StarSymbol"/>
-              <a:buChar char=""/>
+        </p:txBody>
+      </p:sp>
+      <p:sp>
+        <p:nvSpPr>
+          <p:cNvPr id="216" name="CustomShape 3"/>
+          <p:cNvSpPr/>
+          <p:nvPr/>
+        </p:nvSpPr>
+        <p:spPr>
+          <a:xfrm>
+            <a:off x="6972120" y="5791320"/>
+            <a:ext cx="4165200" cy="364680"/>
+          </a:xfrm>
+          <a:prstGeom prst="rect">
+            <a:avLst/>
+          </a:prstGeom>
+          <a:noFill/>
+          <a:ln>
+            <a:noFill/>
+          </a:ln>
+        </p:spPr>
+        <p:style>
+          <a:lnRef idx="0"/>
+          <a:fillRef idx="0"/>
+          <a:effectRef idx="0"/>
+          <a:fontRef idx="minor"/>
+        </p:style>
+        <p:txBody>
+          <a:bodyPr lIns="90000" rIns="90000" tIns="45000" bIns="45000"/>
+          <a:p>
+            <a:pPr algn="ctr">
+              <a:lnSpc>
+                <a:spcPct val="100000"/>
+              </a:lnSpc>
             </a:pPr>
             <a:r>
               <a:rPr lang="en-US" strike="noStrike">
@@ -9999,15 +10119,44 @@
                 </a:solidFill>
                 <a:latin typeface="Corbel"/>
               </a:rPr>
-              <a:t>Has 4 Children</a:t>
+              <a:t>Sierpinski Triangle Example</a:t>
             </a:r>
             <a:endParaRPr/>
           </a:p>
-          <a:p>
-            <a:pPr lvl="1">
-              <a:buSzPct val="75000"/>
-              <a:buFont typeface="StarSymbol"/>
-              <a:buChar char=""/>
+        </p:txBody>
+      </p:sp>
+      <p:sp>
+        <p:nvSpPr>
+          <p:cNvPr id="217" name="CustomShape 4"/>
+          <p:cNvSpPr/>
+          <p:nvPr/>
+        </p:nvSpPr>
+        <p:spPr>
+          <a:xfrm>
+            <a:off x="1848600" y="6160680"/>
+            <a:ext cx="4165200" cy="364680"/>
+          </a:xfrm>
+          <a:prstGeom prst="rect">
+            <a:avLst/>
+          </a:prstGeom>
+          <a:noFill/>
+          <a:ln>
+            <a:noFill/>
+          </a:ln>
+        </p:spPr>
+        <p:style>
+          <a:lnRef idx="0"/>
+          <a:fillRef idx="0"/>
+          <a:effectRef idx="0"/>
+          <a:fontRef idx="minor"/>
+        </p:style>
+        <p:txBody>
+          <a:bodyPr lIns="90000" rIns="90000" tIns="45000" bIns="45000"/>
+          <a:p>
+            <a:pPr algn="ctr">
+              <a:lnSpc>
+                <a:spcPct val="100000"/>
+              </a:lnSpc>
             </a:pPr>
             <a:r>
               <a:rPr lang="en-US" strike="noStrike">
@@ -10016,26 +10165,44 @@
                 </a:solidFill>
                 <a:latin typeface="Corbel"/>
               </a:rPr>
-              <a:t>Or is a leaf</a:t>
+              <a:t>Automaton: B3/S23</a:t>
             </a:r>
             <a:endParaRPr/>
           </a:p>
-          <a:p>
-            <a:pPr lvl="1">
-              <a:buSzPct val="75000"/>
-              <a:buFont typeface="StarSymbol"/>
-              <a:buChar char=""/>
-            </a:pPr>
-            <a:endParaRPr/>
-          </a:p>
-          <a:p>
-            <a:pPr>
+        </p:txBody>
+      </p:sp>
+      <p:sp>
+        <p:nvSpPr>
+          <p:cNvPr id="218" name="CustomShape 5"/>
+          <p:cNvSpPr/>
+          <p:nvPr/>
+        </p:nvSpPr>
+        <p:spPr>
+          <a:xfrm>
+            <a:off x="6972120" y="6160680"/>
+            <a:ext cx="4165200" cy="364680"/>
+          </a:xfrm>
+          <a:prstGeom prst="rect">
+            <a:avLst/>
+          </a:prstGeom>
+          <a:noFill/>
+          <a:ln>
+            <a:noFill/>
+          </a:ln>
+        </p:spPr>
+        <p:style>
+          <a:lnRef idx="0"/>
+          <a:fillRef idx="0"/>
+          <a:effectRef idx="0"/>
+          <a:fontRef idx="minor"/>
+        </p:style>
+        <p:txBody>
+          <a:bodyPr lIns="90000" rIns="90000" tIns="45000" bIns="45000"/>
+          <a:p>
+            <a:pPr algn="ctr">
               <a:lnSpc>
                 <a:spcPct val="100000"/>
               </a:lnSpc>
-              <a:buSzPct val="145000"/>
-              <a:buFont typeface="Arial"/>
-              <a:buChar char="•"/>
             </a:pPr>
             <a:r>
               <a:rPr lang="en-US" strike="noStrike">
@@ -10044,49 +10211,7 @@
                 </a:solidFill>
                 <a:latin typeface="Corbel"/>
               </a:rPr>
-              <a:t>Every leaf is a live node</a:t>
-            </a:r>
-            <a:endParaRPr/>
-          </a:p>
-          <a:p>
-            <a:pPr lvl="1">
-              <a:buSzPct val="75000"/>
-              <a:buFont typeface="StarSymbol"/>
-              <a:buChar char=""/>
-            </a:pPr>
-            <a:r>
-              <a:rPr lang="en-US" strike="noStrike">
-                <a:solidFill>
-                  <a:srgbClr val="000000"/>
-                </a:solidFill>
-                <a:latin typeface="Corbel"/>
-              </a:rPr>
-              <a:t>Only these paths are saved in the structure</a:t>
-            </a:r>
-            <a:endParaRPr/>
-          </a:p>
-          <a:p>
-            <a:pPr lvl="1">
-              <a:buSzPct val="75000"/>
-              <a:buFont typeface="StarSymbol"/>
-              <a:buChar char=""/>
-            </a:pPr>
-            <a:endParaRPr/>
-          </a:p>
-          <a:p>
-            <a:pPr>
-              <a:buSzPct val="145000"/>
-              <a:buFont typeface="Arial"/>
-              <a:buChar char="•"/>
-            </a:pPr>
-            <a:r>
-              <a:rPr lang="en-US" strike="noStrike">
-                <a:solidFill>
-                  <a:srgbClr val="000000"/>
-                </a:solidFill>
-                <a:latin typeface="Corbel"/>
-              </a:rPr>
-              <a:t>Natural to represent spatial data </a:t>
+              <a:t>Automaton: B1/S12</a:t>
             </a:r>
             <a:endParaRPr/>
           </a:p>
@@ -10143,7 +10268,7 @@
       </p:grpSpPr>
       <p:sp>
         <p:nvSpPr>
-          <p:cNvPr id="215" name="TextShape 1"/>
+          <p:cNvPr id="219" name="TextShape 1"/>
           <p:cNvSpPr txBox="1"/>
           <p:nvPr/>
         </p:nvSpPr>
@@ -10175,68 +10300,22 @@
                 </a:solidFill>
                 <a:latin typeface="Corbel"/>
               </a:rPr>
-              <a:t>Results (Visualization)</a:t>
+              <a:t>Results (Performance Analysis)</a:t>
             </a:r>
             <a:endParaRPr/>
           </a:p>
         </p:txBody>
       </p:sp>
-      <p:pic>
-        <p:nvPicPr>
-          <p:cNvPr id="216" name="Content Placeholder 5" descr=""/>
-          <p:cNvPicPr/>
+      <p:sp>
+        <p:nvSpPr>
+          <p:cNvPr id="220" name="TextShape 2"/>
+          <p:cNvSpPr txBox="1"/>
           <p:nvPr/>
-        </p:nvPicPr>
-        <p:blipFill>
-          <a:blip r:embed="rId1"/>
-          <a:stretch/>
-        </p:blipFill>
-        <p:spPr>
-          <a:xfrm>
-            <a:off x="1848600" y="2666880"/>
-            <a:ext cx="4165200" cy="3123720"/>
-          </a:xfrm>
-          <a:prstGeom prst="rect">
-            <a:avLst/>
-          </a:prstGeom>
-          <a:ln>
-            <a:noFill/>
-          </a:ln>
-        </p:spPr>
-      </p:pic>
-      <p:pic>
-        <p:nvPicPr>
-          <p:cNvPr id="217" name="Content Placeholder 4" descr=""/>
-          <p:cNvPicPr/>
-          <p:nvPr/>
-        </p:nvPicPr>
-        <p:blipFill>
-          <a:blip r:embed="rId2"/>
-          <a:stretch/>
-        </p:blipFill>
-        <p:spPr>
-          <a:xfrm>
-            <a:off x="6972480" y="2666880"/>
-            <a:ext cx="4165200" cy="3123720"/>
-          </a:xfrm>
-          <a:prstGeom prst="rect">
-            <a:avLst/>
-          </a:prstGeom>
-          <a:ln>
-            <a:noFill/>
-          </a:ln>
-        </p:spPr>
-      </p:pic>
-      <p:sp>
-        <p:nvSpPr>
-          <p:cNvPr id="218" name="CustomShape 2"/>
-          <p:cNvSpPr/>
-          <p:nvPr/>
-        </p:nvSpPr>
-        <p:spPr>
-          <a:xfrm>
-            <a:off x="1848600" y="5791320"/>
-            <a:ext cx="4165200" cy="364680"/>
+        </p:nvSpPr>
+        <p:spPr>
+          <a:xfrm>
+            <a:off x="1484280" y="2666880"/>
+            <a:ext cx="4894560" cy="3123720"/>
           </a:xfrm>
           <a:prstGeom prst="rect">
             <a:avLst/>
@@ -10246,43 +10325,23 @@
             <a:noFill/>
           </a:ln>
         </p:spPr>
-        <p:style>
-          <a:lnRef idx="0"/>
-          <a:fillRef idx="0"/>
-          <a:effectRef idx="0"/>
-          <a:fontRef idx="minor"/>
-        </p:style>
-        <p:txBody>
-          <a:bodyPr lIns="90000" rIns="90000" tIns="45000" bIns="45000"/>
-          <a:p>
-            <a:pPr algn="ctr">
-              <a:lnSpc>
-                <a:spcPct val="100000"/>
-              </a:lnSpc>
-            </a:pPr>
-            <a:r>
-              <a:rPr lang="en-US" strike="noStrike">
-                <a:solidFill>
-                  <a:srgbClr val="000000"/>
-                </a:solidFill>
-                <a:latin typeface="Corbel"/>
-              </a:rPr>
-              <a:t>Glider Gun Example</a:t>
-            </a:r>
-            <a:endParaRPr/>
-          </a:p>
-        </p:txBody>
-      </p:sp>
-      <p:sp>
-        <p:nvSpPr>
-          <p:cNvPr id="219" name="CustomShape 3"/>
-          <p:cNvSpPr/>
+        <p:txBody>
+          <a:bodyPr anchor="ctr"/>
+          <a:p>
+            <a:endParaRPr/>
+          </a:p>
+        </p:txBody>
+      </p:sp>
+      <p:sp>
+        <p:nvSpPr>
+          <p:cNvPr id="221" name="TextShape 3"/>
+          <p:cNvSpPr txBox="1"/>
           <p:nvPr/>
         </p:nvSpPr>
         <p:spPr>
           <a:xfrm>
-            <a:off x="6972120" y="5791320"/>
-            <a:ext cx="4165200" cy="364680"/>
+            <a:off x="6607800" y="2666880"/>
+            <a:ext cx="4894560" cy="3123720"/>
           </a:xfrm>
           <a:prstGeom prst="rect">
             <a:avLst/>
@@ -10292,121 +10351,9 @@
             <a:noFill/>
           </a:ln>
         </p:spPr>
-        <p:style>
-          <a:lnRef idx="0"/>
-          <a:fillRef idx="0"/>
-          <a:effectRef idx="0"/>
-          <a:fontRef idx="minor"/>
-        </p:style>
-        <p:txBody>
-          <a:bodyPr lIns="90000" rIns="90000" tIns="45000" bIns="45000"/>
-          <a:p>
-            <a:pPr algn="ctr">
-              <a:lnSpc>
-                <a:spcPct val="100000"/>
-              </a:lnSpc>
-            </a:pPr>
-            <a:r>
-              <a:rPr lang="en-US" strike="noStrike">
-                <a:solidFill>
-                  <a:srgbClr val="000000"/>
-                </a:solidFill>
-                <a:latin typeface="Corbel"/>
-              </a:rPr>
-              <a:t>Sierpinski Triangle Example</a:t>
-            </a:r>
-            <a:endParaRPr/>
-          </a:p>
-        </p:txBody>
-      </p:sp>
-      <p:sp>
-        <p:nvSpPr>
-          <p:cNvPr id="220" name="CustomShape 4"/>
-          <p:cNvSpPr/>
-          <p:nvPr/>
-        </p:nvSpPr>
-        <p:spPr>
-          <a:xfrm>
-            <a:off x="1848600" y="6160680"/>
-            <a:ext cx="4165200" cy="364680"/>
-          </a:xfrm>
-          <a:prstGeom prst="rect">
-            <a:avLst/>
-          </a:prstGeom>
-          <a:noFill/>
-          <a:ln>
-            <a:noFill/>
-          </a:ln>
-        </p:spPr>
-        <p:style>
-          <a:lnRef idx="0"/>
-          <a:fillRef idx="0"/>
-          <a:effectRef idx="0"/>
-          <a:fontRef idx="minor"/>
-        </p:style>
-        <p:txBody>
-          <a:bodyPr lIns="90000" rIns="90000" tIns="45000" bIns="45000"/>
-          <a:p>
-            <a:pPr algn="ctr">
-              <a:lnSpc>
-                <a:spcPct val="100000"/>
-              </a:lnSpc>
-            </a:pPr>
-            <a:r>
-              <a:rPr lang="en-US" strike="noStrike">
-                <a:solidFill>
-                  <a:srgbClr val="000000"/>
-                </a:solidFill>
-                <a:latin typeface="Corbel"/>
-              </a:rPr>
-              <a:t>Automaton: B3/S23</a:t>
-            </a:r>
-            <a:endParaRPr/>
-          </a:p>
-        </p:txBody>
-      </p:sp>
-      <p:sp>
-        <p:nvSpPr>
-          <p:cNvPr id="221" name="CustomShape 5"/>
-          <p:cNvSpPr/>
-          <p:nvPr/>
-        </p:nvSpPr>
-        <p:spPr>
-          <a:xfrm>
-            <a:off x="6972120" y="6160680"/>
-            <a:ext cx="4165200" cy="364680"/>
-          </a:xfrm>
-          <a:prstGeom prst="rect">
-            <a:avLst/>
-          </a:prstGeom>
-          <a:noFill/>
-          <a:ln>
-            <a:noFill/>
-          </a:ln>
-        </p:spPr>
-        <p:style>
-          <a:lnRef idx="0"/>
-          <a:fillRef idx="0"/>
-          <a:effectRef idx="0"/>
-          <a:fontRef idx="minor"/>
-        </p:style>
-        <p:txBody>
-          <a:bodyPr lIns="90000" rIns="90000" tIns="45000" bIns="45000"/>
-          <a:p>
-            <a:pPr algn="ctr">
-              <a:lnSpc>
-                <a:spcPct val="100000"/>
-              </a:lnSpc>
-            </a:pPr>
-            <a:r>
-              <a:rPr lang="en-US" strike="noStrike">
-                <a:solidFill>
-                  <a:srgbClr val="000000"/>
-                </a:solidFill>
-                <a:latin typeface="Corbel"/>
-              </a:rPr>
-              <a:t>Automaton: B1/S12</a:t>
-            </a:r>
+        <p:txBody>
+          <a:bodyPr anchor="ctr"/>
+          <a:p>
             <a:endParaRPr/>
           </a:p>
         </p:txBody>
@@ -10468,7 +10415,7 @@
         </p:nvSpPr>
         <p:spPr>
           <a:xfrm>
-            <a:off x="1484280" y="685800"/>
+            <a:off x="1484280" y="2603160"/>
             <a:ext cx="10018440" cy="1752120"/>
           </a:xfrm>
           <a:prstGeom prst="rect">
@@ -10494,60 +10441,8 @@
                 </a:solidFill>
                 <a:latin typeface="Corbel"/>
               </a:rPr>
-              <a:t>Results (Performance Analysis)</a:t>
+              <a:t>Demo</a:t>
             </a:r>
-            <a:endParaRPr/>
-          </a:p>
-        </p:txBody>
-      </p:sp>
-      <p:sp>
-        <p:nvSpPr>
-          <p:cNvPr id="223" name="TextShape 2"/>
-          <p:cNvSpPr txBox="1"/>
-          <p:nvPr/>
-        </p:nvSpPr>
-        <p:spPr>
-          <a:xfrm>
-            <a:off x="1484280" y="2666880"/>
-            <a:ext cx="4894560" cy="3123720"/>
-          </a:xfrm>
-          <a:prstGeom prst="rect">
-            <a:avLst/>
-          </a:prstGeom>
-          <a:noFill/>
-          <a:ln>
-            <a:noFill/>
-          </a:ln>
-        </p:spPr>
-        <p:txBody>
-          <a:bodyPr anchor="ctr"/>
-          <a:p>
-            <a:endParaRPr/>
-          </a:p>
-        </p:txBody>
-      </p:sp>
-      <p:sp>
-        <p:nvSpPr>
-          <p:cNvPr id="224" name="TextShape 3"/>
-          <p:cNvSpPr txBox="1"/>
-          <p:nvPr/>
-        </p:nvSpPr>
-        <p:spPr>
-          <a:xfrm>
-            <a:off x="6607800" y="2666880"/>
-            <a:ext cx="4894560" cy="3123720"/>
-          </a:xfrm>
-          <a:prstGeom prst="rect">
-            <a:avLst/>
-          </a:prstGeom>
-          <a:noFill/>
-          <a:ln>
-            <a:noFill/>
-          </a:ln>
-        </p:spPr>
-        <p:txBody>
-          <a:bodyPr anchor="ctr"/>
-          <a:p>
             <a:endParaRPr/>
           </a:p>
         </p:txBody>
